--- a/results/figures/pptx/hcp_information_satisfaction.pptx
+++ b/results/figures/pptx/hcp_information_satisfaction.pptx
@@ -2486,7 +2486,33 @@
           </p:nvSpPr>
           <p:spPr>
             <a:xfrm>
-              <a:off x="1190170" y="3412746"/>
+              <a:off x="1190170" y="5773994"/>
+              <a:ext cx="1102025" cy="314832"/>
+            </a:xfrm>
+            <a:prstGeom prst="rect">
+              <a:avLst/>
+            </a:prstGeom>
+            <a:solidFill>
+              <a:srgbClr val="B0BEC5">
+                <a:alpha val="100000"/>
+              </a:srgbClr>
+            </a:solidFill>
+          </p:spPr>
+          <p:txBody>
+            <a:bodyPr/>
+            <a:lstStyle/>
+            <a:p/>
+          </p:txBody>
+        </p:sp>
+        <p:sp>
+          <p:nvSpPr>
+            <p:cNvPr id="10" name="rc10"/>
+            <p:cNvSpPr/>
+            <p:nvPr/>
+          </p:nvSpPr>
+          <p:spPr>
+            <a:xfrm>
+              <a:off x="2414643" y="3412746"/>
               <a:ext cx="1102025" cy="2676080"/>
             </a:xfrm>
             <a:prstGeom prst="rect">
@@ -2506,20 +2532,20 @@
         </p:sp>
         <p:sp>
           <p:nvSpPr>
-            <p:cNvPr id="10" name="rc10"/>
-            <p:cNvSpPr/>
-            <p:nvPr/>
-          </p:nvSpPr>
-          <p:spPr>
-            <a:xfrm>
-              <a:off x="2414643" y="2389539"/>
+            <p:cNvPr id="11" name="rc11"/>
+            <p:cNvSpPr/>
+            <p:nvPr/>
+          </p:nvSpPr>
+          <p:spPr>
+            <a:xfrm>
+              <a:off x="3639116" y="2389539"/>
               <a:ext cx="1102025" cy="3699287"/>
             </a:xfrm>
             <a:prstGeom prst="rect">
               <a:avLst/>
             </a:prstGeom>
             <a:solidFill>
-              <a:srgbClr val="43AA70">
+              <a:srgbClr val="8BC34A">
                 <a:alpha val="100000"/>
               </a:srgbClr>
             </a:solidFill>
@@ -2532,20 +2558,20 @@
         </p:sp>
         <p:sp>
           <p:nvSpPr>
-            <p:cNvPr id="11" name="rc11"/>
-            <p:cNvSpPr/>
-            <p:nvPr/>
-          </p:nvSpPr>
-          <p:spPr>
-            <a:xfrm>
-              <a:off x="3639116" y="3334038"/>
+            <p:cNvPr id="12" name="rc12"/>
+            <p:cNvSpPr/>
+            <p:nvPr/>
+          </p:nvSpPr>
+          <p:spPr>
+            <a:xfrm>
+              <a:off x="4863589" y="3334038"/>
               <a:ext cx="1102025" cy="2754788"/>
             </a:xfrm>
             <a:prstGeom prst="rect">
               <a:avLst/>
             </a:prstGeom>
             <a:solidFill>
-              <a:srgbClr val="B7B924">
+              <a:srgbClr val="FFC107">
                 <a:alpha val="100000"/>
               </a:srgbClr>
             </a:solidFill>
@@ -2558,20 +2584,20 @@
         </p:sp>
         <p:sp>
           <p:nvSpPr>
-            <p:cNvPr id="12" name="rc12"/>
-            <p:cNvSpPr/>
-            <p:nvPr/>
-          </p:nvSpPr>
-          <p:spPr>
-            <a:xfrm>
-              <a:off x="4863589" y="4829495"/>
+            <p:cNvPr id="13" name="rc13"/>
+            <p:cNvSpPr/>
+            <p:nvPr/>
+          </p:nvSpPr>
+          <p:spPr>
+            <a:xfrm>
+              <a:off x="6088062" y="4829495"/>
               <a:ext cx="1102025" cy="1259331"/>
             </a:xfrm>
             <a:prstGeom prst="rect">
               <a:avLst/>
             </a:prstGeom>
             <a:solidFill>
-              <a:srgbClr val="D7834A">
+              <a:srgbClr val="FF9800">
                 <a:alpha val="100000"/>
               </a:srgbClr>
             </a:solidFill>
@@ -2584,40 +2610,14 @@
         </p:sp>
         <p:sp>
           <p:nvSpPr>
-            <p:cNvPr id="13" name="rc13"/>
-            <p:cNvSpPr/>
-            <p:nvPr/>
-          </p:nvSpPr>
-          <p:spPr>
-            <a:xfrm>
-              <a:off x="6088062" y="5301744"/>
+            <p:cNvPr id="14" name="rc14"/>
+            <p:cNvSpPr/>
+            <p:nvPr/>
+          </p:nvSpPr>
+          <p:spPr>
+            <a:xfrm>
+              <a:off x="7312535" y="5301744"/>
               <a:ext cx="1102025" cy="787082"/>
-            </a:xfrm>
-            <a:prstGeom prst="rect">
-              <a:avLst/>
-            </a:prstGeom>
-            <a:solidFill>
-              <a:srgbClr val="AD2C97">
-                <a:alpha val="100000"/>
-              </a:srgbClr>
-            </a:solidFill>
-          </p:spPr>
-          <p:txBody>
-            <a:bodyPr/>
-            <a:lstStyle/>
-            <a:p/>
-          </p:txBody>
-        </p:sp>
-        <p:sp>
-          <p:nvSpPr>
-            <p:cNvPr id="14" name="rc14"/>
-            <p:cNvSpPr/>
-            <p:nvPr/>
-          </p:nvSpPr>
-          <p:spPr>
-            <a:xfrm>
-              <a:off x="7312535" y="5773994"/>
-              <a:ext cx="1102025" cy="314832"/>
             </a:xfrm>
             <a:prstGeom prst="rect">
               <a:avLst/>
@@ -2642,7 +2642,99 @@
           </p:nvSpPr>
           <p:spPr>
             <a:xfrm>
-              <a:off x="1640700" y="2825669"/>
+              <a:off x="1690941" y="5189739"/>
+              <a:ext cx="100482" cy="129330"/>
+            </a:xfrm>
+            <a:prstGeom prst="rect">
+              <a:avLst/>
+            </a:prstGeom>
+            <a:noFill/>
+          </p:spPr>
+          <p:txBody>
+            <a:bodyPr lIns="0" rIns="0" tIns="0" bIns="0" anchorCtr="1" anchor="ctr" wrap="none"/>
+            <a:lstStyle/>
+            <a:p>
+              <a:pPr algn="l" marL="0" marR="0" indent="0">
+                <a:lnSpc>
+                  <a:spcPts val="1422"/>
+                </a:lnSpc>
+                <a:spcBef>
+                  <a:spcPts val="0"/>
+                </a:spcBef>
+                <a:spcAft>
+                  <a:spcPts val="0"/>
+                </a:spcAft>
+              </a:pPr>
+              <a:r>
+                <a:rPr sz="1422">
+                  <a:solidFill>
+                    <a:srgbClr val="000000">
+                      <a:alpha val="100000"/>
+                    </a:srgbClr>
+                  </a:solidFill>
+                  <a:latin typeface="Arial"/>
+                  <a:cs typeface="Arial"/>
+                </a:rPr>
+                <a:t>4</a:t>
+              </a:r>
+            </a:p>
+          </p:txBody>
+        </p:sp>
+        <p:sp>
+          <p:nvSpPr>
+            <p:cNvPr id="16" name="tx16"/>
+            <p:cNvSpPr/>
+            <p:nvPr/>
+          </p:nvSpPr>
+          <p:spPr>
+            <a:xfrm>
+              <a:off x="1550451" y="5409683"/>
+              <a:ext cx="381464" cy="169559"/>
+            </a:xfrm>
+            <a:prstGeom prst="rect">
+              <a:avLst/>
+            </a:prstGeom>
+            <a:noFill/>
+          </p:spPr>
+          <p:txBody>
+            <a:bodyPr lIns="0" rIns="0" tIns="0" bIns="0" anchorCtr="1" anchor="ctr" wrap="none"/>
+            <a:lstStyle/>
+            <a:p>
+              <a:pPr algn="l" marL="0" marR="0" indent="0">
+                <a:lnSpc>
+                  <a:spcPts val="1422"/>
+                </a:lnSpc>
+                <a:spcBef>
+                  <a:spcPts val="0"/>
+                </a:spcBef>
+                <a:spcAft>
+                  <a:spcPts val="0"/>
+                </a:spcAft>
+              </a:pPr>
+              <a:r>
+                <a:rPr sz="1422">
+                  <a:solidFill>
+                    <a:srgbClr val="000000">
+                      <a:alpha val="100000"/>
+                    </a:srgbClr>
+                  </a:solidFill>
+                  <a:latin typeface="Arial"/>
+                  <a:cs typeface="Arial"/>
+                </a:rPr>
+                <a:t>(3%)</a:t>
+              </a:r>
+            </a:p>
+          </p:txBody>
+        </p:sp>
+        <p:sp>
+          <p:nvSpPr>
+            <p:cNvPr id="17" name="tx17"/>
+            <p:cNvSpPr/>
+            <p:nvPr/>
+          </p:nvSpPr>
+          <p:spPr>
+            <a:xfrm>
+              <a:off x="2865173" y="2825669"/>
               <a:ext cx="200965" cy="132153"/>
             </a:xfrm>
             <a:prstGeom prst="rect">
@@ -2682,13 +2774,13 @@
         </p:sp>
         <p:sp>
           <p:nvSpPr>
-            <p:cNvPr id="16" name="tx16"/>
-            <p:cNvSpPr/>
-            <p:nvPr/>
-          </p:nvSpPr>
-          <p:spPr>
-            <a:xfrm>
-              <a:off x="1500209" y="3048436"/>
+            <p:cNvPr id="18" name="tx18"/>
+            <p:cNvSpPr/>
+            <p:nvPr/>
+          </p:nvSpPr>
+          <p:spPr>
+            <a:xfrm>
+              <a:off x="2724682" y="3048436"/>
               <a:ext cx="481947" cy="169559"/>
             </a:xfrm>
             <a:prstGeom prst="rect">
@@ -2728,13 +2820,13 @@
         </p:sp>
         <p:sp>
           <p:nvSpPr>
-            <p:cNvPr id="17" name="tx17"/>
-            <p:cNvSpPr/>
-            <p:nvPr/>
-          </p:nvSpPr>
-          <p:spPr>
-            <a:xfrm>
-              <a:off x="2865173" y="1805285"/>
+            <p:cNvPr id="19" name="tx19"/>
+            <p:cNvSpPr/>
+            <p:nvPr/>
+          </p:nvSpPr>
+          <p:spPr>
+            <a:xfrm>
+              <a:off x="4089646" y="1805285"/>
               <a:ext cx="200965" cy="129330"/>
             </a:xfrm>
             <a:prstGeom prst="rect">
@@ -2774,13 +2866,13 @@
         </p:sp>
         <p:sp>
           <p:nvSpPr>
-            <p:cNvPr id="18" name="tx18"/>
-            <p:cNvSpPr/>
-            <p:nvPr/>
-          </p:nvSpPr>
-          <p:spPr>
-            <a:xfrm>
-              <a:off x="2724682" y="2025229"/>
+            <p:cNvPr id="20" name="tx20"/>
+            <p:cNvSpPr/>
+            <p:nvPr/>
+          </p:nvSpPr>
+          <p:spPr>
+            <a:xfrm>
+              <a:off x="3949155" y="2025229"/>
               <a:ext cx="481947" cy="169559"/>
             </a:xfrm>
             <a:prstGeom prst="rect">
@@ -2820,13 +2912,13 @@
         </p:sp>
         <p:sp>
           <p:nvSpPr>
-            <p:cNvPr id="19" name="tx19"/>
-            <p:cNvSpPr/>
-            <p:nvPr/>
-          </p:nvSpPr>
-          <p:spPr>
-            <a:xfrm>
-              <a:off x="4089646" y="2746961"/>
+            <p:cNvPr id="21" name="tx21"/>
+            <p:cNvSpPr/>
+            <p:nvPr/>
+          </p:nvSpPr>
+          <p:spPr>
+            <a:xfrm>
+              <a:off x="5314119" y="2746961"/>
               <a:ext cx="200965" cy="132153"/>
             </a:xfrm>
             <a:prstGeom prst="rect">
@@ -2866,13 +2958,13 @@
         </p:sp>
         <p:sp>
           <p:nvSpPr>
-            <p:cNvPr id="20" name="tx20"/>
-            <p:cNvSpPr/>
-            <p:nvPr/>
-          </p:nvSpPr>
-          <p:spPr>
-            <a:xfrm>
-              <a:off x="3949155" y="2969728"/>
+            <p:cNvPr id="22" name="tx22"/>
+            <p:cNvSpPr/>
+            <p:nvPr/>
+          </p:nvSpPr>
+          <p:spPr>
+            <a:xfrm>
+              <a:off x="5173628" y="2969728"/>
               <a:ext cx="481947" cy="169559"/>
             </a:xfrm>
             <a:prstGeom prst="rect">
@@ -2912,13 +3004,13 @@
         </p:sp>
         <p:sp>
           <p:nvSpPr>
-            <p:cNvPr id="21" name="tx21"/>
-            <p:cNvSpPr/>
-            <p:nvPr/>
-          </p:nvSpPr>
-          <p:spPr>
-            <a:xfrm>
-              <a:off x="5314119" y="4242506"/>
+            <p:cNvPr id="23" name="tx23"/>
+            <p:cNvSpPr/>
+            <p:nvPr/>
+          </p:nvSpPr>
+          <p:spPr>
+            <a:xfrm>
+              <a:off x="6538592" y="4242506"/>
               <a:ext cx="200965" cy="132065"/>
             </a:xfrm>
             <a:prstGeom prst="rect">
@@ -2958,13 +3050,13 @@
         </p:sp>
         <p:sp>
           <p:nvSpPr>
-            <p:cNvPr id="22" name="tx22"/>
-            <p:cNvSpPr/>
-            <p:nvPr/>
-          </p:nvSpPr>
-          <p:spPr>
-            <a:xfrm>
-              <a:off x="5173628" y="4465184"/>
+            <p:cNvPr id="24" name="tx24"/>
+            <p:cNvSpPr/>
+            <p:nvPr/>
+          </p:nvSpPr>
+          <p:spPr>
+            <a:xfrm>
+              <a:off x="6398101" y="4465184"/>
               <a:ext cx="481947" cy="169559"/>
             </a:xfrm>
             <a:prstGeom prst="rect">
@@ -3004,13 +3096,13 @@
         </p:sp>
         <p:sp>
           <p:nvSpPr>
-            <p:cNvPr id="23" name="tx23"/>
-            <p:cNvSpPr/>
-            <p:nvPr/>
-          </p:nvSpPr>
-          <p:spPr>
-            <a:xfrm>
-              <a:off x="6538592" y="4714755"/>
+            <p:cNvPr id="25" name="tx25"/>
+            <p:cNvSpPr/>
+            <p:nvPr/>
+          </p:nvSpPr>
+          <p:spPr>
+            <a:xfrm>
+              <a:off x="7763065" y="4714755"/>
               <a:ext cx="200965" cy="132065"/>
             </a:xfrm>
             <a:prstGeom prst="rect">
@@ -3050,13 +3142,13 @@
         </p:sp>
         <p:sp>
           <p:nvSpPr>
-            <p:cNvPr id="24" name="tx24"/>
-            <p:cNvSpPr/>
-            <p:nvPr/>
-          </p:nvSpPr>
-          <p:spPr>
-            <a:xfrm>
-              <a:off x="6448343" y="4937434"/>
+            <p:cNvPr id="26" name="tx26"/>
+            <p:cNvSpPr/>
+            <p:nvPr/>
+          </p:nvSpPr>
+          <p:spPr>
+            <a:xfrm>
+              <a:off x="7672816" y="4937434"/>
               <a:ext cx="381464" cy="169559"/>
             </a:xfrm>
             <a:prstGeom prst="rect">
@@ -3090,98 +3182,6 @@
                   <a:cs typeface="Arial"/>
                 </a:rPr>
                 <a:t>(7%)</a:t>
-              </a:r>
-            </a:p>
-          </p:txBody>
-        </p:sp>
-        <p:sp>
-          <p:nvSpPr>
-            <p:cNvPr id="25" name="tx25"/>
-            <p:cNvSpPr/>
-            <p:nvPr/>
-          </p:nvSpPr>
-          <p:spPr>
-            <a:xfrm>
-              <a:off x="7813306" y="5189739"/>
-              <a:ext cx="100482" cy="129330"/>
-            </a:xfrm>
-            <a:prstGeom prst="rect">
-              <a:avLst/>
-            </a:prstGeom>
-            <a:noFill/>
-          </p:spPr>
-          <p:txBody>
-            <a:bodyPr lIns="0" rIns="0" tIns="0" bIns="0" anchorCtr="1" anchor="ctr" wrap="none"/>
-            <a:lstStyle/>
-            <a:p>
-              <a:pPr algn="l" marL="0" marR="0" indent="0">
-                <a:lnSpc>
-                  <a:spcPts val="1422"/>
-                </a:lnSpc>
-                <a:spcBef>
-                  <a:spcPts val="0"/>
-                </a:spcBef>
-                <a:spcAft>
-                  <a:spcPts val="0"/>
-                </a:spcAft>
-              </a:pPr>
-              <a:r>
-                <a:rPr sz="1422">
-                  <a:solidFill>
-                    <a:srgbClr val="000000">
-                      <a:alpha val="100000"/>
-                    </a:srgbClr>
-                  </a:solidFill>
-                  <a:latin typeface="Arial"/>
-                  <a:cs typeface="Arial"/>
-                </a:rPr>
-                <a:t>4</a:t>
-              </a:r>
-            </a:p>
-          </p:txBody>
-        </p:sp>
-        <p:sp>
-          <p:nvSpPr>
-            <p:cNvPr id="26" name="tx26"/>
-            <p:cNvSpPr/>
-            <p:nvPr/>
-          </p:nvSpPr>
-          <p:spPr>
-            <a:xfrm>
-              <a:off x="7672816" y="5409683"/>
-              <a:ext cx="381464" cy="169559"/>
-            </a:xfrm>
-            <a:prstGeom prst="rect">
-              <a:avLst/>
-            </a:prstGeom>
-            <a:noFill/>
-          </p:spPr>
-          <p:txBody>
-            <a:bodyPr lIns="0" rIns="0" tIns="0" bIns="0" anchorCtr="1" anchor="ctr" wrap="none"/>
-            <a:lstStyle/>
-            <a:p>
-              <a:pPr algn="l" marL="0" marR="0" indent="0">
-                <a:lnSpc>
-                  <a:spcPts val="1422"/>
-                </a:lnSpc>
-                <a:spcBef>
-                  <a:spcPts val="0"/>
-                </a:spcBef>
-                <a:spcAft>
-                  <a:spcPts val="0"/>
-                </a:spcAft>
-              </a:pPr>
-              <a:r>
-                <a:rPr sz="1422">
-                  <a:solidFill>
-                    <a:srgbClr val="000000">
-                      <a:alpha val="100000"/>
-                    </a:srgbClr>
-                  </a:solidFill>
-                  <a:latin typeface="Arial"/>
-                  <a:cs typeface="Arial"/>
-                </a:rPr>
-                <a:t>(3%)</a:t>
               </a:r>
             </a:p>
           </p:txBody>
@@ -3944,8 +3944,8 @@
           </p:nvSpPr>
           <p:spPr>
             <a:xfrm>
-              <a:off x="1444717" y="6138996"/>
-              <a:ext cx="592931" cy="141163"/>
+              <a:off x="1336928" y="6169282"/>
+              <a:ext cx="808508" cy="110876"/>
             </a:xfrm>
             <a:prstGeom prst="rect">
               <a:avLst/>
@@ -3977,7 +3977,7 @@
                   <a:latin typeface="Arial"/>
                   <a:cs typeface="Arial"/>
                 </a:rPr>
-                <a:t>Toujours</a:t>
+                <a:t>I don't know</a:t>
               </a:r>
             </a:p>
           </p:txBody>
@@ -3990,8 +3990,8 @@
           </p:nvSpPr>
           <p:spPr>
             <a:xfrm>
-              <a:off x="2686045" y="6167347"/>
-              <a:ext cx="559221" cy="112811"/>
+              <a:off x="2724294" y="6138996"/>
+              <a:ext cx="482724" cy="141163"/>
             </a:xfrm>
             <a:prstGeom prst="rect">
               <a:avLst/>
@@ -4023,7 +4023,7 @@
                   <a:latin typeface="Arial"/>
                   <a:cs typeface="Arial"/>
                 </a:rPr>
-                <a:t>Souvent</a:t>
+                <a:t>Always</a:t>
               </a:r>
             </a:p>
           </p:txBody>
@@ -4036,8 +4036,8 @@
           </p:nvSpPr>
           <p:spPr>
             <a:xfrm>
-              <a:off x="3952971" y="6167422"/>
-              <a:ext cx="474315" cy="112737"/>
+              <a:off x="4003759" y="6167273"/>
+              <a:ext cx="372740" cy="112886"/>
             </a:xfrm>
             <a:prstGeom prst="rect">
               <a:avLst/>
@@ -4069,7 +4069,7 @@
                   <a:latin typeface="Arial"/>
                   <a:cs typeface="Arial"/>
                 </a:rPr>
-                <a:t>Parfois</a:t>
+                <a:t>Often</a:t>
               </a:r>
             </a:p>
           </p:txBody>
@@ -4082,8 +4082,8 @@
           </p:nvSpPr>
           <p:spPr>
             <a:xfrm>
-              <a:off x="5080036" y="6169282"/>
-              <a:ext cx="669131" cy="110876"/>
+              <a:off x="5033490" y="6167347"/>
+              <a:ext cx="762223" cy="112811"/>
             </a:xfrm>
             <a:prstGeom prst="rect">
               <a:avLst/>
@@ -4115,7 +4115,7 @@
                   <a:latin typeface="Arial"/>
                   <a:cs typeface="Arial"/>
                 </a:rPr>
-                <a:t>Rarement</a:t>
+                <a:t>Sometimes</a:t>
               </a:r>
             </a:p>
           </p:txBody>
@@ -4128,8 +4128,8 @@
           </p:nvSpPr>
           <p:spPr>
             <a:xfrm>
-              <a:off x="6397713" y="6169208"/>
-              <a:ext cx="482724" cy="110951"/>
+              <a:off x="6418884" y="6138996"/>
+              <a:ext cx="440382" cy="141163"/>
             </a:xfrm>
             <a:prstGeom prst="rect">
               <a:avLst/>
@@ -4161,7 +4161,7 @@
                   <a:latin typeface="Arial"/>
                   <a:cs typeface="Arial"/>
                 </a:rPr>
-                <a:t>Jamais</a:t>
+                <a:t>Rarely</a:t>
               </a:r>
             </a:p>
           </p:txBody>
@@ -4174,8 +4174,8 @@
           </p:nvSpPr>
           <p:spPr>
             <a:xfrm>
-              <a:off x="7376433" y="6140782"/>
-              <a:ext cx="974228" cy="139377"/>
+              <a:off x="7660286" y="6169282"/>
+              <a:ext cx="406524" cy="110876"/>
             </a:xfrm>
             <a:prstGeom prst="rect">
               <a:avLst/>
@@ -4207,7 +4207,7 @@
                   <a:latin typeface="Arial"/>
                   <a:cs typeface="Arial"/>
                 </a:rPr>
-                <a:t>Je ne sais pas</a:t>
+                <a:t>Never</a:t>
               </a:r>
             </a:p>
           </p:txBody>

--- a/results/figures/pptx/hcp_information_satisfaction.pptx
+++ b/results/figures/pptx/hcp_information_satisfaction.pptx
@@ -2314,7 +2314,7 @@
           </p:nvSpPr>
           <p:spPr>
             <a:xfrm>
-              <a:off x="1006499" y="4939686"/>
+              <a:off x="1006499" y="4849995"/>
               <a:ext cx="7591732" cy="0"/>
             </a:xfrm>
             <a:custGeom>
@@ -2357,7 +2357,7 @@
           </p:nvSpPr>
           <p:spPr>
             <a:xfrm>
-              <a:off x="1006499" y="3790546"/>
+              <a:off x="1006499" y="3611164"/>
               <a:ext cx="7591732" cy="0"/>
             </a:xfrm>
             <a:custGeom>
@@ -2400,7 +2400,7 @@
           </p:nvSpPr>
           <p:spPr>
             <a:xfrm>
-              <a:off x="1006499" y="2641406"/>
+              <a:off x="1006499" y="2372333"/>
               <a:ext cx="7591732" cy="0"/>
             </a:xfrm>
             <a:custGeom>
@@ -2437,57 +2437,14 @@
         </p:sp>
         <p:sp>
           <p:nvSpPr>
-            <p:cNvPr id="8" name="pl8"/>
-            <p:cNvSpPr/>
-            <p:nvPr/>
-          </p:nvSpPr>
-          <p:spPr>
-            <a:xfrm>
-              <a:off x="1006499" y="1492265"/>
-              <a:ext cx="7591732" cy="0"/>
-            </a:xfrm>
-            <a:custGeom>
-              <a:avLst/>
-              <a:pathLst>
-                <a:path w="7591732" h="0">
-                  <a:moveTo>
-                    <a:pt x="0" y="0"/>
-                  </a:moveTo>
-                  <a:lnTo>
-                    <a:pt x="7591732" y="0"/>
-                  </a:lnTo>
-                  <a:lnTo>
-                    <a:pt x="7591732" y="0"/>
-                  </a:lnTo>
-                </a:path>
-              </a:pathLst>
-            </a:custGeom>
-            <a:ln w="2710" cap="flat">
-              <a:solidFill>
-                <a:srgbClr val="CCCCCC">
-                  <a:alpha val="100000"/>
-                </a:srgbClr>
-              </a:solidFill>
-              <a:prstDash val="solid"/>
-              <a:round/>
-            </a:ln>
-          </p:spPr>
-          <p:txBody>
-            <a:bodyPr/>
-            <a:lstStyle/>
-            <a:p/>
-          </p:txBody>
-        </p:sp>
-        <p:sp>
-          <p:nvSpPr>
-            <p:cNvPr id="9" name="rc9"/>
-            <p:cNvSpPr/>
-            <p:nvPr/>
-          </p:nvSpPr>
-          <p:spPr>
-            <a:xfrm>
-              <a:off x="1190170" y="5773994"/>
-              <a:ext cx="1102025" cy="314832"/>
+            <p:cNvPr id="8" name="rc8"/>
+            <p:cNvSpPr/>
+            <p:nvPr/>
+          </p:nvSpPr>
+          <p:spPr>
+            <a:xfrm>
+              <a:off x="1190170" y="5658677"/>
+              <a:ext cx="1102025" cy="430149"/>
             </a:xfrm>
             <a:prstGeom prst="rect">
               <a:avLst/>
@@ -2506,14 +2463,14 @@
         </p:sp>
         <p:sp>
           <p:nvSpPr>
-            <p:cNvPr id="10" name="rc10"/>
-            <p:cNvSpPr/>
-            <p:nvPr/>
-          </p:nvSpPr>
-          <p:spPr>
-            <a:xfrm>
-              <a:off x="2414643" y="3412746"/>
-              <a:ext cx="1102025" cy="2676080"/>
+            <p:cNvPr id="9" name="rc9"/>
+            <p:cNvSpPr/>
+            <p:nvPr/>
+          </p:nvSpPr>
+          <p:spPr>
+            <a:xfrm>
+              <a:off x="2414643" y="3077779"/>
+              <a:ext cx="1102025" cy="3011047"/>
             </a:xfrm>
             <a:prstGeom prst="rect">
               <a:avLst/>
@@ -2532,7 +2489,7 @@
         </p:sp>
         <p:sp>
           <p:nvSpPr>
-            <p:cNvPr id="11" name="rc11"/>
+            <p:cNvPr id="10" name="rc10"/>
             <p:cNvSpPr/>
             <p:nvPr/>
           </p:nvSpPr>
@@ -2558,14 +2515,14 @@
         </p:sp>
         <p:sp>
           <p:nvSpPr>
-            <p:cNvPr id="12" name="rc12"/>
-            <p:cNvSpPr/>
-            <p:nvPr/>
-          </p:nvSpPr>
-          <p:spPr>
-            <a:xfrm>
-              <a:off x="4863589" y="3334038"/>
-              <a:ext cx="1102025" cy="2754788"/>
+            <p:cNvPr id="11" name="rc11"/>
+            <p:cNvSpPr/>
+            <p:nvPr/>
+          </p:nvSpPr>
+          <p:spPr>
+            <a:xfrm>
+              <a:off x="4863589" y="3077779"/>
+              <a:ext cx="1102025" cy="3011047"/>
             </a:xfrm>
             <a:prstGeom prst="rect">
               <a:avLst/>
@@ -2584,14 +2541,14 @@
         </p:sp>
         <p:sp>
           <p:nvSpPr>
-            <p:cNvPr id="13" name="rc13"/>
-            <p:cNvSpPr/>
-            <p:nvPr/>
-          </p:nvSpPr>
-          <p:spPr>
-            <a:xfrm>
-              <a:off x="6088062" y="4829495"/>
-              <a:ext cx="1102025" cy="1259331"/>
+            <p:cNvPr id="12" name="rc12"/>
+            <p:cNvSpPr/>
+            <p:nvPr/>
+          </p:nvSpPr>
+          <p:spPr>
+            <a:xfrm>
+              <a:off x="6088062" y="4798378"/>
+              <a:ext cx="1102025" cy="1290449"/>
             </a:xfrm>
             <a:prstGeom prst="rect">
               <a:avLst/>
@@ -2610,14 +2567,14 @@
         </p:sp>
         <p:sp>
           <p:nvSpPr>
-            <p:cNvPr id="14" name="rc14"/>
-            <p:cNvSpPr/>
-            <p:nvPr/>
-          </p:nvSpPr>
-          <p:spPr>
-            <a:xfrm>
-              <a:off x="7312535" y="5301744"/>
-              <a:ext cx="1102025" cy="787082"/>
+            <p:cNvPr id="13" name="rc13"/>
+            <p:cNvSpPr/>
+            <p:nvPr/>
+          </p:nvSpPr>
+          <p:spPr>
+            <a:xfrm>
+              <a:off x="7312535" y="5142497"/>
+              <a:ext cx="1102025" cy="946329"/>
             </a:xfrm>
             <a:prstGeom prst="rect">
               <a:avLst/>
@@ -2636,14 +2593,14 @@
         </p:sp>
         <p:sp>
           <p:nvSpPr>
-            <p:cNvPr id="15" name="tx15"/>
-            <p:cNvSpPr/>
-            <p:nvPr/>
-          </p:nvSpPr>
-          <p:spPr>
-            <a:xfrm>
-              <a:off x="1690941" y="5189739"/>
-              <a:ext cx="100482" cy="129330"/>
+            <p:cNvPr id="14" name="tx14"/>
+            <p:cNvSpPr/>
+            <p:nvPr/>
+          </p:nvSpPr>
+          <p:spPr>
+            <a:xfrm>
+              <a:off x="1690941" y="5073982"/>
+              <a:ext cx="100482" cy="129771"/>
             </a:xfrm>
             <a:prstGeom prst="rect">
               <a:avLst/>
@@ -2675,20 +2632,20 @@
                   <a:latin typeface="Arial"/>
                   <a:cs typeface="Arial"/>
                 </a:rPr>
-                <a:t>4</a:t>
+                <a:t>5</a:t>
               </a:r>
             </a:p>
           </p:txBody>
         </p:sp>
         <p:sp>
           <p:nvSpPr>
-            <p:cNvPr id="16" name="tx16"/>
-            <p:cNvSpPr/>
-            <p:nvPr/>
-          </p:nvSpPr>
-          <p:spPr>
-            <a:xfrm>
-              <a:off x="1550451" y="5409683"/>
+            <p:cNvPr id="15" name="tx15"/>
+            <p:cNvSpPr/>
+            <p:nvPr/>
+          </p:nvSpPr>
+          <p:spPr>
+            <a:xfrm>
+              <a:off x="1550451" y="5294366"/>
               <a:ext cx="381464" cy="169559"/>
             </a:xfrm>
             <a:prstGeom prst="rect">
@@ -2728,197 +2685,13 @@
         </p:sp>
         <p:sp>
           <p:nvSpPr>
-            <p:cNvPr id="17" name="tx17"/>
-            <p:cNvSpPr/>
-            <p:nvPr/>
-          </p:nvSpPr>
-          <p:spPr>
-            <a:xfrm>
-              <a:off x="2865173" y="2825669"/>
-              <a:ext cx="200965" cy="132153"/>
-            </a:xfrm>
-            <a:prstGeom prst="rect">
-              <a:avLst/>
-            </a:prstGeom>
-            <a:noFill/>
-          </p:spPr>
-          <p:txBody>
-            <a:bodyPr lIns="0" rIns="0" tIns="0" bIns="0" anchorCtr="1" anchor="ctr" wrap="none"/>
-            <a:lstStyle/>
-            <a:p>
-              <a:pPr algn="l" marL="0" marR="0" indent="0">
-                <a:lnSpc>
-                  <a:spcPts val="1422"/>
-                </a:lnSpc>
-                <a:spcBef>
-                  <a:spcPts val="0"/>
-                </a:spcBef>
-                <a:spcAft>
-                  <a:spcPts val="0"/>
-                </a:spcAft>
-              </a:pPr>
-              <a:r>
-                <a:rPr sz="1422">
-                  <a:solidFill>
-                    <a:srgbClr val="000000">
-                      <a:alpha val="100000"/>
-                    </a:srgbClr>
-                  </a:solidFill>
-                  <a:latin typeface="Arial"/>
-                  <a:cs typeface="Arial"/>
-                </a:rPr>
-                <a:t>34</a:t>
-              </a:r>
-            </a:p>
-          </p:txBody>
-        </p:sp>
-        <p:sp>
-          <p:nvSpPr>
-            <p:cNvPr id="18" name="tx18"/>
-            <p:cNvSpPr/>
-            <p:nvPr/>
-          </p:nvSpPr>
-          <p:spPr>
-            <a:xfrm>
-              <a:off x="2724682" y="3048436"/>
-              <a:ext cx="481947" cy="169559"/>
-            </a:xfrm>
-            <a:prstGeom prst="rect">
-              <a:avLst/>
-            </a:prstGeom>
-            <a:noFill/>
-          </p:spPr>
-          <p:txBody>
-            <a:bodyPr lIns="0" rIns="0" tIns="0" bIns="0" anchorCtr="1" anchor="ctr" wrap="none"/>
-            <a:lstStyle/>
-            <a:p>
-              <a:pPr algn="l" marL="0" marR="0" indent="0">
-                <a:lnSpc>
-                  <a:spcPts val="1422"/>
-                </a:lnSpc>
-                <a:spcBef>
-                  <a:spcPts val="0"/>
-                </a:spcBef>
-                <a:spcAft>
-                  <a:spcPts val="0"/>
-                </a:spcAft>
-              </a:pPr>
-              <a:r>
-                <a:rPr sz="1422">
-                  <a:solidFill>
-                    <a:srgbClr val="000000">
-                      <a:alpha val="100000"/>
-                    </a:srgbClr>
-                  </a:solidFill>
-                  <a:latin typeface="Arial"/>
-                  <a:cs typeface="Arial"/>
-                </a:rPr>
-                <a:t>(23%)</a:t>
-              </a:r>
-            </a:p>
-          </p:txBody>
-        </p:sp>
-        <p:sp>
-          <p:nvSpPr>
-            <p:cNvPr id="19" name="tx19"/>
-            <p:cNvSpPr/>
-            <p:nvPr/>
-          </p:nvSpPr>
-          <p:spPr>
-            <a:xfrm>
-              <a:off x="4089646" y="1805285"/>
-              <a:ext cx="200965" cy="129330"/>
-            </a:xfrm>
-            <a:prstGeom prst="rect">
-              <a:avLst/>
-            </a:prstGeom>
-            <a:noFill/>
-          </p:spPr>
-          <p:txBody>
-            <a:bodyPr lIns="0" rIns="0" tIns="0" bIns="0" anchorCtr="1" anchor="ctr" wrap="none"/>
-            <a:lstStyle/>
-            <a:p>
-              <a:pPr algn="l" marL="0" marR="0" indent="0">
-                <a:lnSpc>
-                  <a:spcPts val="1422"/>
-                </a:lnSpc>
-                <a:spcBef>
-                  <a:spcPts val="0"/>
-                </a:spcBef>
-                <a:spcAft>
-                  <a:spcPts val="0"/>
-                </a:spcAft>
-              </a:pPr>
-              <a:r>
-                <a:rPr sz="1422">
-                  <a:solidFill>
-                    <a:srgbClr val="000000">
-                      <a:alpha val="100000"/>
-                    </a:srgbClr>
-                  </a:solidFill>
-                  <a:latin typeface="Arial"/>
-                  <a:cs typeface="Arial"/>
-                </a:rPr>
-                <a:t>47</a:t>
-              </a:r>
-            </a:p>
-          </p:txBody>
-        </p:sp>
-        <p:sp>
-          <p:nvSpPr>
-            <p:cNvPr id="20" name="tx20"/>
-            <p:cNvSpPr/>
-            <p:nvPr/>
-          </p:nvSpPr>
-          <p:spPr>
-            <a:xfrm>
-              <a:off x="3949155" y="2025229"/>
-              <a:ext cx="481947" cy="169559"/>
-            </a:xfrm>
-            <a:prstGeom prst="rect">
-              <a:avLst/>
-            </a:prstGeom>
-            <a:noFill/>
-          </p:spPr>
-          <p:txBody>
-            <a:bodyPr lIns="0" rIns="0" tIns="0" bIns="0" anchorCtr="1" anchor="ctr" wrap="none"/>
-            <a:lstStyle/>
-            <a:p>
-              <a:pPr algn="l" marL="0" marR="0" indent="0">
-                <a:lnSpc>
-                  <a:spcPts val="1422"/>
-                </a:lnSpc>
-                <a:spcBef>
-                  <a:spcPts val="0"/>
-                </a:spcBef>
-                <a:spcAft>
-                  <a:spcPts val="0"/>
-                </a:spcAft>
-              </a:pPr>
-              <a:r>
-                <a:rPr sz="1422">
-                  <a:solidFill>
-                    <a:srgbClr val="000000">
-                      <a:alpha val="100000"/>
-                    </a:srgbClr>
-                  </a:solidFill>
-                  <a:latin typeface="Arial"/>
-                  <a:cs typeface="Arial"/>
-                </a:rPr>
-                <a:t>(32%)</a:t>
-              </a:r>
-            </a:p>
-          </p:txBody>
-        </p:sp>
-        <p:sp>
-          <p:nvSpPr>
-            <p:cNvPr id="21" name="tx21"/>
-            <p:cNvSpPr/>
-            <p:nvPr/>
-          </p:nvSpPr>
-          <p:spPr>
-            <a:xfrm>
-              <a:off x="5314119" y="2746961"/>
+            <p:cNvPr id="16" name="tx16"/>
+            <p:cNvSpPr/>
+            <p:nvPr/>
+          </p:nvSpPr>
+          <p:spPr>
+            <a:xfrm>
+              <a:off x="2865173" y="2490702"/>
               <a:ext cx="200965" cy="132153"/>
             </a:xfrm>
             <a:prstGeom prst="rect">
@@ -2958,13 +2731,13 @@
         </p:sp>
         <p:sp>
           <p:nvSpPr>
-            <p:cNvPr id="22" name="tx22"/>
-            <p:cNvSpPr/>
-            <p:nvPr/>
-          </p:nvSpPr>
-          <p:spPr>
-            <a:xfrm>
-              <a:off x="5173628" y="2969728"/>
+            <p:cNvPr id="17" name="tx17"/>
+            <p:cNvSpPr/>
+            <p:nvPr/>
+          </p:nvSpPr>
+          <p:spPr>
+            <a:xfrm>
+              <a:off x="2724682" y="2713468"/>
               <a:ext cx="481947" cy="169559"/>
             </a:xfrm>
             <a:prstGeom prst="rect">
@@ -3004,14 +2777,14 @@
         </p:sp>
         <p:sp>
           <p:nvSpPr>
-            <p:cNvPr id="23" name="tx23"/>
-            <p:cNvSpPr/>
-            <p:nvPr/>
-          </p:nvSpPr>
-          <p:spPr>
-            <a:xfrm>
-              <a:off x="6538592" y="4242506"/>
-              <a:ext cx="200965" cy="132065"/>
+            <p:cNvPr id="18" name="tx18"/>
+            <p:cNvSpPr/>
+            <p:nvPr/>
+          </p:nvSpPr>
+          <p:spPr>
+            <a:xfrm>
+              <a:off x="4089646" y="1802462"/>
+              <a:ext cx="200965" cy="132153"/>
             </a:xfrm>
             <a:prstGeom prst="rect">
               <a:avLst/>
@@ -3043,20 +2816,20 @@
                   <a:latin typeface="Arial"/>
                   <a:cs typeface="Arial"/>
                 </a:rPr>
-                <a:t>16</a:t>
+                <a:t>43</a:t>
               </a:r>
             </a:p>
           </p:txBody>
         </p:sp>
         <p:sp>
           <p:nvSpPr>
-            <p:cNvPr id="24" name="tx24"/>
-            <p:cNvSpPr/>
-            <p:nvPr/>
-          </p:nvSpPr>
-          <p:spPr>
-            <a:xfrm>
-              <a:off x="6398101" y="4465184"/>
+            <p:cNvPr id="19" name="tx19"/>
+            <p:cNvSpPr/>
+            <p:nvPr/>
+          </p:nvSpPr>
+          <p:spPr>
+            <a:xfrm>
+              <a:off x="3949155" y="2025229"/>
               <a:ext cx="481947" cy="169559"/>
             </a:xfrm>
             <a:prstGeom prst="rect">
@@ -3089,21 +2862,21 @@
                   <a:latin typeface="Arial"/>
                   <a:cs typeface="Arial"/>
                 </a:rPr>
-                <a:t>(11%)</a:t>
+                <a:t>(30%)</a:t>
               </a:r>
             </a:p>
           </p:txBody>
         </p:sp>
         <p:sp>
           <p:nvSpPr>
-            <p:cNvPr id="25" name="tx25"/>
-            <p:cNvSpPr/>
-            <p:nvPr/>
-          </p:nvSpPr>
-          <p:spPr>
-            <a:xfrm>
-              <a:off x="7763065" y="4714755"/>
-              <a:ext cx="200965" cy="132065"/>
+            <p:cNvPr id="20" name="tx20"/>
+            <p:cNvSpPr/>
+            <p:nvPr/>
+          </p:nvSpPr>
+          <p:spPr>
+            <a:xfrm>
+              <a:off x="5314119" y="2490702"/>
+              <a:ext cx="200965" cy="132153"/>
             </a:xfrm>
             <a:prstGeom prst="rect">
               <a:avLst/>
@@ -3135,21 +2908,21 @@
                   <a:latin typeface="Arial"/>
                   <a:cs typeface="Arial"/>
                 </a:rPr>
-                <a:t>10</a:t>
+                <a:t>35</a:t>
               </a:r>
             </a:p>
           </p:txBody>
         </p:sp>
         <p:sp>
           <p:nvSpPr>
-            <p:cNvPr id="26" name="tx26"/>
-            <p:cNvSpPr/>
-            <p:nvPr/>
-          </p:nvSpPr>
-          <p:spPr>
-            <a:xfrm>
-              <a:off x="7672816" y="4937434"/>
-              <a:ext cx="381464" cy="169559"/>
+            <p:cNvPr id="21" name="tx21"/>
+            <p:cNvSpPr/>
+            <p:nvPr/>
+          </p:nvSpPr>
+          <p:spPr>
+            <a:xfrm>
+              <a:off x="5173628" y="2713468"/>
+              <a:ext cx="481947" cy="169559"/>
             </a:xfrm>
             <a:prstGeom prst="rect">
               <a:avLst/>
@@ -3181,14 +2954,198 @@
                   <a:latin typeface="Arial"/>
                   <a:cs typeface="Arial"/>
                 </a:rPr>
-                <a:t>(7%)</a:t>
+                <a:t>(24%)</a:t>
               </a:r>
             </a:p>
           </p:txBody>
         </p:sp>
         <p:sp>
           <p:nvSpPr>
-            <p:cNvPr id="27" name="pl27"/>
+            <p:cNvPr id="22" name="tx22"/>
+            <p:cNvSpPr/>
+            <p:nvPr/>
+          </p:nvSpPr>
+          <p:spPr>
+            <a:xfrm>
+              <a:off x="6538592" y="4211388"/>
+              <a:ext cx="200965" cy="132065"/>
+            </a:xfrm>
+            <a:prstGeom prst="rect">
+              <a:avLst/>
+            </a:prstGeom>
+            <a:noFill/>
+          </p:spPr>
+          <p:txBody>
+            <a:bodyPr lIns="0" rIns="0" tIns="0" bIns="0" anchorCtr="1" anchor="ctr" wrap="none"/>
+            <a:lstStyle/>
+            <a:p>
+              <a:pPr algn="l" marL="0" marR="0" indent="0">
+                <a:lnSpc>
+                  <a:spcPts val="1422"/>
+                </a:lnSpc>
+                <a:spcBef>
+                  <a:spcPts val="0"/>
+                </a:spcBef>
+                <a:spcAft>
+                  <a:spcPts val="0"/>
+                </a:spcAft>
+              </a:pPr>
+              <a:r>
+                <a:rPr sz="1422">
+                  <a:solidFill>
+                    <a:srgbClr val="000000">
+                      <a:alpha val="100000"/>
+                    </a:srgbClr>
+                  </a:solidFill>
+                  <a:latin typeface="Arial"/>
+                  <a:cs typeface="Arial"/>
+                </a:rPr>
+                <a:t>15</a:t>
+              </a:r>
+            </a:p>
+          </p:txBody>
+        </p:sp>
+        <p:sp>
+          <p:nvSpPr>
+            <p:cNvPr id="23" name="tx23"/>
+            <p:cNvSpPr/>
+            <p:nvPr/>
+          </p:nvSpPr>
+          <p:spPr>
+            <a:xfrm>
+              <a:off x="6398101" y="4434067"/>
+              <a:ext cx="481947" cy="169559"/>
+            </a:xfrm>
+            <a:prstGeom prst="rect">
+              <a:avLst/>
+            </a:prstGeom>
+            <a:noFill/>
+          </p:spPr>
+          <p:txBody>
+            <a:bodyPr lIns="0" rIns="0" tIns="0" bIns="0" anchorCtr="1" anchor="ctr" wrap="none"/>
+            <a:lstStyle/>
+            <a:p>
+              <a:pPr algn="l" marL="0" marR="0" indent="0">
+                <a:lnSpc>
+                  <a:spcPts val="1422"/>
+                </a:lnSpc>
+                <a:spcBef>
+                  <a:spcPts val="0"/>
+                </a:spcBef>
+                <a:spcAft>
+                  <a:spcPts val="0"/>
+                </a:spcAft>
+              </a:pPr>
+              <a:r>
+                <a:rPr sz="1422">
+                  <a:solidFill>
+                    <a:srgbClr val="000000">
+                      <a:alpha val="100000"/>
+                    </a:srgbClr>
+                  </a:solidFill>
+                  <a:latin typeface="Arial"/>
+                  <a:cs typeface="Arial"/>
+                </a:rPr>
+                <a:t>(10%)</a:t>
+              </a:r>
+            </a:p>
+          </p:txBody>
+        </p:sp>
+        <p:sp>
+          <p:nvSpPr>
+            <p:cNvPr id="24" name="tx24"/>
+            <p:cNvSpPr/>
+            <p:nvPr/>
+          </p:nvSpPr>
+          <p:spPr>
+            <a:xfrm>
+              <a:off x="7763065" y="4557714"/>
+              <a:ext cx="200965" cy="129860"/>
+            </a:xfrm>
+            <a:prstGeom prst="rect">
+              <a:avLst/>
+            </a:prstGeom>
+            <a:noFill/>
+          </p:spPr>
+          <p:txBody>
+            <a:bodyPr lIns="0" rIns="0" tIns="0" bIns="0" anchorCtr="1" anchor="ctr" wrap="none"/>
+            <a:lstStyle/>
+            <a:p>
+              <a:pPr algn="l" marL="0" marR="0" indent="0">
+                <a:lnSpc>
+                  <a:spcPts val="1422"/>
+                </a:lnSpc>
+                <a:spcBef>
+                  <a:spcPts val="0"/>
+                </a:spcBef>
+                <a:spcAft>
+                  <a:spcPts val="0"/>
+                </a:spcAft>
+              </a:pPr>
+              <a:r>
+                <a:rPr sz="1422">
+                  <a:solidFill>
+                    <a:srgbClr val="000000">
+                      <a:alpha val="100000"/>
+                    </a:srgbClr>
+                  </a:solidFill>
+                  <a:latin typeface="Arial"/>
+                  <a:cs typeface="Arial"/>
+                </a:rPr>
+                <a:t>11</a:t>
+              </a:r>
+            </a:p>
+          </p:txBody>
+        </p:sp>
+        <p:sp>
+          <p:nvSpPr>
+            <p:cNvPr id="25" name="tx25"/>
+            <p:cNvSpPr/>
+            <p:nvPr/>
+          </p:nvSpPr>
+          <p:spPr>
+            <a:xfrm>
+              <a:off x="7672816" y="4778187"/>
+              <a:ext cx="381464" cy="169559"/>
+            </a:xfrm>
+            <a:prstGeom prst="rect">
+              <a:avLst/>
+            </a:prstGeom>
+            <a:noFill/>
+          </p:spPr>
+          <p:txBody>
+            <a:bodyPr lIns="0" rIns="0" tIns="0" bIns="0" anchorCtr="1" anchor="ctr" wrap="none"/>
+            <a:lstStyle/>
+            <a:p>
+              <a:pPr algn="l" marL="0" marR="0" indent="0">
+                <a:lnSpc>
+                  <a:spcPts val="1422"/>
+                </a:lnSpc>
+                <a:spcBef>
+                  <a:spcPts val="0"/>
+                </a:spcBef>
+                <a:spcAft>
+                  <a:spcPts val="0"/>
+                </a:spcAft>
+              </a:pPr>
+              <a:r>
+                <a:rPr sz="1422">
+                  <a:solidFill>
+                    <a:srgbClr val="000000">
+                      <a:alpha val="100000"/>
+                    </a:srgbClr>
+                  </a:solidFill>
+                  <a:latin typeface="Arial"/>
+                  <a:cs typeface="Arial"/>
+                </a:rPr>
+                <a:t>(8%)</a:t>
+              </a:r>
+            </a:p>
+          </p:txBody>
+        </p:sp>
+        <p:sp>
+          <p:nvSpPr>
+            <p:cNvPr id="26" name="pl26"/>
             <p:cNvSpPr/>
             <p:nvPr/>
           </p:nvSpPr>
@@ -3228,7 +3185,7 @@
         </p:sp>
         <p:sp>
           <p:nvSpPr>
-            <p:cNvPr id="28" name="tx28"/>
+            <p:cNvPr id="27" name="tx27"/>
             <p:cNvSpPr/>
             <p:nvPr/>
           </p:nvSpPr>
@@ -3274,13 +3231,13 @@
         </p:sp>
         <p:sp>
           <p:nvSpPr>
-            <p:cNvPr id="29" name="tx29"/>
-            <p:cNvSpPr/>
-            <p:nvPr/>
-          </p:nvSpPr>
-          <p:spPr>
-            <a:xfrm>
-              <a:off x="754742" y="4882834"/>
+            <p:cNvPr id="28" name="tx28"/>
+            <p:cNvSpPr/>
+            <p:nvPr/>
+          </p:nvSpPr>
+          <p:spPr>
+            <a:xfrm>
+              <a:off x="754742" y="4793143"/>
               <a:ext cx="169515" cy="111397"/>
             </a:xfrm>
             <a:prstGeom prst="rect">
@@ -3320,13 +3277,13 @@
         </p:sp>
         <p:sp>
           <p:nvSpPr>
-            <p:cNvPr id="30" name="tx30"/>
-            <p:cNvSpPr/>
-            <p:nvPr/>
-          </p:nvSpPr>
-          <p:spPr>
-            <a:xfrm>
-              <a:off x="754742" y="3733694"/>
+            <p:cNvPr id="29" name="tx29"/>
+            <p:cNvSpPr/>
+            <p:nvPr/>
+          </p:nvSpPr>
+          <p:spPr>
+            <a:xfrm>
+              <a:off x="754742" y="3554312"/>
               <a:ext cx="169515" cy="111397"/>
             </a:xfrm>
             <a:prstGeom prst="rect">
@@ -3366,13 +3323,13 @@
         </p:sp>
         <p:sp>
           <p:nvSpPr>
-            <p:cNvPr id="31" name="tx31"/>
-            <p:cNvSpPr/>
-            <p:nvPr/>
-          </p:nvSpPr>
-          <p:spPr>
-            <a:xfrm>
-              <a:off x="754742" y="2584479"/>
+            <p:cNvPr id="30" name="tx30"/>
+            <p:cNvSpPr/>
+            <p:nvPr/>
+          </p:nvSpPr>
+          <p:spPr>
+            <a:xfrm>
+              <a:off x="754742" y="2315407"/>
               <a:ext cx="169515" cy="111472"/>
             </a:xfrm>
             <a:prstGeom prst="rect">
@@ -3412,53 +3369,7 @@
         </p:sp>
         <p:sp>
           <p:nvSpPr>
-            <p:cNvPr id="32" name="tx32"/>
-            <p:cNvSpPr/>
-            <p:nvPr/>
-          </p:nvSpPr>
-          <p:spPr>
-            <a:xfrm>
-              <a:off x="754742" y="1435413"/>
-              <a:ext cx="169515" cy="111397"/>
-            </a:xfrm>
-            <a:prstGeom prst="rect">
-              <a:avLst/>
-            </a:prstGeom>
-            <a:noFill/>
-          </p:spPr>
-          <p:txBody>
-            <a:bodyPr lIns="0" rIns="0" tIns="0" bIns="0" anchorCtr="1" anchor="ctr" wrap="none"/>
-            <a:lstStyle/>
-            <a:p>
-              <a:pPr algn="l" marL="0" marR="0" indent="0">
-                <a:lnSpc>
-                  <a:spcPts val="1200"/>
-                </a:lnSpc>
-                <a:spcBef>
-                  <a:spcPts val="0"/>
-                </a:spcBef>
-                <a:spcAft>
-                  <a:spcPts val="0"/>
-                </a:spcAft>
-              </a:pPr>
-              <a:r>
-                <a:rPr sz="1200">
-                  <a:solidFill>
-                    <a:srgbClr val="000000">
-                      <a:alpha val="100000"/>
-                    </a:srgbClr>
-                  </a:solidFill>
-                  <a:latin typeface="Arial"/>
-                  <a:cs typeface="Arial"/>
-                </a:rPr>
-                <a:t>40</a:t>
-              </a:r>
-            </a:p>
-          </p:txBody>
-        </p:sp>
-        <p:sp>
-          <p:nvSpPr>
-            <p:cNvPr id="33" name="pl33"/>
+            <p:cNvPr id="31" name="pl31"/>
             <p:cNvSpPr/>
             <p:nvPr/>
           </p:nvSpPr>
@@ -3498,13 +3409,13 @@
         </p:sp>
         <p:sp>
           <p:nvSpPr>
-            <p:cNvPr id="34" name="pl34"/>
-            <p:cNvSpPr/>
-            <p:nvPr/>
-          </p:nvSpPr>
-          <p:spPr>
-            <a:xfrm>
-              <a:off x="962215" y="4939686"/>
+            <p:cNvPr id="32" name="pl32"/>
+            <p:cNvSpPr/>
+            <p:nvPr/>
+          </p:nvSpPr>
+          <p:spPr>
+            <a:xfrm>
+              <a:off x="962215" y="4849995"/>
               <a:ext cx="44283" cy="0"/>
             </a:xfrm>
             <a:custGeom>
@@ -3538,13 +3449,13 @@
         </p:sp>
         <p:sp>
           <p:nvSpPr>
-            <p:cNvPr id="35" name="pl35"/>
-            <p:cNvSpPr/>
-            <p:nvPr/>
-          </p:nvSpPr>
-          <p:spPr>
-            <a:xfrm>
-              <a:off x="962215" y="3790546"/>
+            <p:cNvPr id="33" name="pl33"/>
+            <p:cNvSpPr/>
+            <p:nvPr/>
+          </p:nvSpPr>
+          <p:spPr>
+            <a:xfrm>
+              <a:off x="962215" y="3611164"/>
               <a:ext cx="44283" cy="0"/>
             </a:xfrm>
             <a:custGeom>
@@ -3578,13 +3489,13 @@
         </p:sp>
         <p:sp>
           <p:nvSpPr>
-            <p:cNvPr id="36" name="pl36"/>
-            <p:cNvSpPr/>
-            <p:nvPr/>
-          </p:nvSpPr>
-          <p:spPr>
-            <a:xfrm>
-              <a:off x="962215" y="2641406"/>
+            <p:cNvPr id="34" name="pl34"/>
+            <p:cNvSpPr/>
+            <p:nvPr/>
+          </p:nvSpPr>
+          <p:spPr>
+            <a:xfrm>
+              <a:off x="962215" y="2372333"/>
               <a:ext cx="44283" cy="0"/>
             </a:xfrm>
             <a:custGeom>
@@ -3618,47 +3529,7 @@
         </p:sp>
         <p:sp>
           <p:nvSpPr>
-            <p:cNvPr id="37" name="pl37"/>
-            <p:cNvSpPr/>
-            <p:nvPr/>
-          </p:nvSpPr>
-          <p:spPr>
-            <a:xfrm>
-              <a:off x="962215" y="1492265"/>
-              <a:ext cx="44283" cy="0"/>
-            </a:xfrm>
-            <a:custGeom>
-              <a:avLst/>
-              <a:pathLst>
-                <a:path w="44283" h="0">
-                  <a:moveTo>
-                    <a:pt x="0" y="0"/>
-                  </a:moveTo>
-                  <a:lnTo>
-                    <a:pt x="44283" y="0"/>
-                  </a:lnTo>
-                </a:path>
-              </a:pathLst>
-            </a:custGeom>
-            <a:ln w="13550" cap="flat">
-              <a:solidFill>
-                <a:srgbClr val="000000">
-                  <a:alpha val="100000"/>
-                </a:srgbClr>
-              </a:solidFill>
-              <a:prstDash val="solid"/>
-              <a:round/>
-            </a:ln>
-          </p:spPr>
-          <p:txBody>
-            <a:bodyPr/>
-            <a:lstStyle/>
-            <a:p/>
-          </p:txBody>
-        </p:sp>
-        <p:sp>
-          <p:nvSpPr>
-            <p:cNvPr id="38" name="pl38"/>
+            <p:cNvPr id="35" name="pl35"/>
             <p:cNvSpPr/>
             <p:nvPr/>
           </p:nvSpPr>
@@ -3698,7 +3569,7 @@
         </p:sp>
         <p:sp>
           <p:nvSpPr>
-            <p:cNvPr id="39" name="pl39"/>
+            <p:cNvPr id="36" name="pl36"/>
             <p:cNvSpPr/>
             <p:nvPr/>
           </p:nvSpPr>
@@ -3738,7 +3609,7 @@
         </p:sp>
         <p:sp>
           <p:nvSpPr>
-            <p:cNvPr id="40" name="pl40"/>
+            <p:cNvPr id="37" name="pl37"/>
             <p:cNvSpPr/>
             <p:nvPr/>
           </p:nvSpPr>
@@ -3778,7 +3649,7 @@
         </p:sp>
         <p:sp>
           <p:nvSpPr>
-            <p:cNvPr id="41" name="pl41"/>
+            <p:cNvPr id="38" name="pl38"/>
             <p:cNvSpPr/>
             <p:nvPr/>
           </p:nvSpPr>
@@ -3818,7 +3689,7 @@
         </p:sp>
         <p:sp>
           <p:nvSpPr>
-            <p:cNvPr id="42" name="pl42"/>
+            <p:cNvPr id="39" name="pl39"/>
             <p:cNvSpPr/>
             <p:nvPr/>
           </p:nvSpPr>
@@ -3858,7 +3729,7 @@
         </p:sp>
         <p:sp>
           <p:nvSpPr>
-            <p:cNvPr id="43" name="pl43"/>
+            <p:cNvPr id="40" name="pl40"/>
             <p:cNvSpPr/>
             <p:nvPr/>
           </p:nvSpPr>
@@ -3898,7 +3769,7 @@
         </p:sp>
         <p:sp>
           <p:nvSpPr>
-            <p:cNvPr id="44" name="pl44"/>
+            <p:cNvPr id="41" name="pl41"/>
             <p:cNvSpPr/>
             <p:nvPr/>
           </p:nvSpPr>
@@ -3938,7 +3809,7 @@
         </p:sp>
         <p:sp>
           <p:nvSpPr>
-            <p:cNvPr id="45" name="tx45"/>
+            <p:cNvPr id="42" name="tx42"/>
             <p:cNvSpPr/>
             <p:nvPr/>
           </p:nvSpPr>
@@ -3984,7 +3855,7 @@
         </p:sp>
         <p:sp>
           <p:nvSpPr>
-            <p:cNvPr id="46" name="tx46"/>
+            <p:cNvPr id="43" name="tx43"/>
             <p:cNvSpPr/>
             <p:nvPr/>
           </p:nvSpPr>
@@ -4030,7 +3901,7 @@
         </p:sp>
         <p:sp>
           <p:nvSpPr>
-            <p:cNvPr id="47" name="tx47"/>
+            <p:cNvPr id="44" name="tx44"/>
             <p:cNvSpPr/>
             <p:nvPr/>
           </p:nvSpPr>
@@ -4076,7 +3947,7 @@
         </p:sp>
         <p:sp>
           <p:nvSpPr>
-            <p:cNvPr id="48" name="tx48"/>
+            <p:cNvPr id="45" name="tx45"/>
             <p:cNvSpPr/>
             <p:nvPr/>
           </p:nvSpPr>
@@ -4122,7 +3993,7 @@
         </p:sp>
         <p:sp>
           <p:nvSpPr>
-            <p:cNvPr id="49" name="tx49"/>
+            <p:cNvPr id="46" name="tx46"/>
             <p:cNvSpPr/>
             <p:nvPr/>
           </p:nvSpPr>
@@ -4168,7 +4039,7 @@
         </p:sp>
         <p:sp>
           <p:nvSpPr>
-            <p:cNvPr id="50" name="tx50"/>
+            <p:cNvPr id="47" name="tx47"/>
             <p:cNvSpPr/>
             <p:nvPr/>
           </p:nvSpPr>
@@ -4214,7 +4085,7 @@
         </p:sp>
         <p:sp>
           <p:nvSpPr>
-            <p:cNvPr id="51" name="tx51"/>
+            <p:cNvPr id="48" name="tx48"/>
             <p:cNvSpPr/>
             <p:nvPr/>
           </p:nvSpPr>
@@ -4260,7 +4131,7 @@
         </p:sp>
         <p:sp>
           <p:nvSpPr>
-            <p:cNvPr id="52" name="tx52"/>
+            <p:cNvPr id="49" name="tx49"/>
             <p:cNvSpPr/>
             <p:nvPr/>
           </p:nvSpPr>
@@ -4299,7 +4170,7 @@
                   <a:latin typeface="Arial"/>
                   <a:cs typeface="Arial"/>
                 </a:rPr>
-                <a:t>Participant satisfaction with information received from HCPs (N=146).</a:t>
+                <a:t>Participant satisfaction with information received from HCPs (N=144).</a:t>
               </a:r>
             </a:p>
           </p:txBody>
